--- a/slides/Stealthy Logging for PLCs.pptx
+++ b/slides/Stealthy Logging for PLCs.pptx
@@ -6,8 +6,10 @@
   </p:sldMasterIdLst>
   <p:sldIdLst>
     <p:sldId id="256" r:id="rId2"/>
-    <p:sldId id="257" r:id="rId3"/>
-    <p:sldId id="258" r:id="rId4"/>
+    <p:sldId id="259" r:id="rId3"/>
+    <p:sldId id="260" r:id="rId4"/>
+    <p:sldId id="257" r:id="rId5"/>
+    <p:sldId id="258" r:id="rId6"/>
   </p:sldIdLst>
   <p:sldSz cx="12192000" cy="6858000"/>
   <p:notesSz cx="6858000" cy="9144000"/>
@@ -265,7 +267,7 @@
           <a:p>
             <a:fld id="{2A36EB2F-6F56-45B9-8B79-FD8816039F59}" type="datetimeFigureOut">
               <a:rPr lang="en-US" smtClean="0"/>
-              <a:t>11/5/2017</a:t>
+              <a:t>11/6/2017</a:t>
             </a:fld>
             <a:endParaRPr lang="en-US"/>
           </a:p>
@@ -463,7 +465,7 @@
           <a:p>
             <a:fld id="{2A36EB2F-6F56-45B9-8B79-FD8816039F59}" type="datetimeFigureOut">
               <a:rPr lang="en-US" smtClean="0"/>
-              <a:t>11/5/2017</a:t>
+              <a:t>11/6/2017</a:t>
             </a:fld>
             <a:endParaRPr lang="en-US"/>
           </a:p>
@@ -671,7 +673,7 @@
           <a:p>
             <a:fld id="{2A36EB2F-6F56-45B9-8B79-FD8816039F59}" type="datetimeFigureOut">
               <a:rPr lang="en-US" smtClean="0"/>
-              <a:t>11/5/2017</a:t>
+              <a:t>11/6/2017</a:t>
             </a:fld>
             <a:endParaRPr lang="en-US"/>
           </a:p>
@@ -869,7 +871,7 @@
           <a:p>
             <a:fld id="{2A36EB2F-6F56-45B9-8B79-FD8816039F59}" type="datetimeFigureOut">
               <a:rPr lang="en-US" smtClean="0"/>
-              <a:t>11/5/2017</a:t>
+              <a:t>11/6/2017</a:t>
             </a:fld>
             <a:endParaRPr lang="en-US"/>
           </a:p>
@@ -1144,7 +1146,7 @@
           <a:p>
             <a:fld id="{2A36EB2F-6F56-45B9-8B79-FD8816039F59}" type="datetimeFigureOut">
               <a:rPr lang="en-US" smtClean="0"/>
-              <a:t>11/5/2017</a:t>
+              <a:t>11/6/2017</a:t>
             </a:fld>
             <a:endParaRPr lang="en-US"/>
           </a:p>
@@ -1409,7 +1411,7 @@
           <a:p>
             <a:fld id="{2A36EB2F-6F56-45B9-8B79-FD8816039F59}" type="datetimeFigureOut">
               <a:rPr lang="en-US" smtClean="0"/>
-              <a:t>11/5/2017</a:t>
+              <a:t>11/6/2017</a:t>
             </a:fld>
             <a:endParaRPr lang="en-US"/>
           </a:p>
@@ -1821,7 +1823,7 @@
           <a:p>
             <a:fld id="{2A36EB2F-6F56-45B9-8B79-FD8816039F59}" type="datetimeFigureOut">
               <a:rPr lang="en-US" smtClean="0"/>
-              <a:t>11/5/2017</a:t>
+              <a:t>11/6/2017</a:t>
             </a:fld>
             <a:endParaRPr lang="en-US"/>
           </a:p>
@@ -1962,7 +1964,7 @@
           <a:p>
             <a:fld id="{2A36EB2F-6F56-45B9-8B79-FD8816039F59}" type="datetimeFigureOut">
               <a:rPr lang="en-US" smtClean="0"/>
-              <a:t>11/5/2017</a:t>
+              <a:t>11/6/2017</a:t>
             </a:fld>
             <a:endParaRPr lang="en-US"/>
           </a:p>
@@ -2075,7 +2077,7 @@
           <a:p>
             <a:fld id="{2A36EB2F-6F56-45B9-8B79-FD8816039F59}" type="datetimeFigureOut">
               <a:rPr lang="en-US" smtClean="0"/>
-              <a:t>11/5/2017</a:t>
+              <a:t>11/6/2017</a:t>
             </a:fld>
             <a:endParaRPr lang="en-US"/>
           </a:p>
@@ -2386,7 +2388,7 @@
           <a:p>
             <a:fld id="{2A36EB2F-6F56-45B9-8B79-FD8816039F59}" type="datetimeFigureOut">
               <a:rPr lang="en-US" smtClean="0"/>
-              <a:t>11/5/2017</a:t>
+              <a:t>11/6/2017</a:t>
             </a:fld>
             <a:endParaRPr lang="en-US"/>
           </a:p>
@@ -2674,7 +2676,7 @@
           <a:p>
             <a:fld id="{2A36EB2F-6F56-45B9-8B79-FD8816039F59}" type="datetimeFigureOut">
               <a:rPr lang="en-US" smtClean="0"/>
-              <a:t>11/5/2017</a:t>
+              <a:t>11/6/2017</a:t>
             </a:fld>
             <a:endParaRPr lang="en-US"/>
           </a:p>
@@ -2915,7 +2917,7 @@
           <a:p>
             <a:fld id="{2A36EB2F-6F56-45B9-8B79-FD8816039F59}" type="datetimeFigureOut">
               <a:rPr lang="en-US" smtClean="0"/>
-              <a:t>11/5/2017</a:t>
+              <a:t>11/6/2017</a:t>
             </a:fld>
             <a:endParaRPr lang="en-US"/>
           </a:p>
@@ -3399,6 +3401,800 @@
 </file>
 
 <file path=ppt/slides/slide2.xml><?xml version="1.0" encoding="utf-8"?>
+<p:sld xmlns:a="http://schemas.openxmlformats.org/drawingml/2006/main" xmlns:r="http://schemas.openxmlformats.org/officeDocument/2006/relationships" xmlns:p="http://schemas.openxmlformats.org/presentationml/2006/main">
+  <p:cSld>
+    <p:spTree>
+      <p:nvGrpSpPr>
+        <p:cNvPr id="1" name=""/>
+        <p:cNvGrpSpPr/>
+        <p:nvPr/>
+      </p:nvGrpSpPr>
+      <p:grpSpPr>
+        <a:xfrm>
+          <a:off x="0" y="0"/>
+          <a:ext cx="0" cy="0"/>
+          <a:chOff x="0" y="0"/>
+          <a:chExt cx="0" cy="0"/>
+        </a:xfrm>
+      </p:grpSpPr>
+      <p:sp>
+        <p:nvSpPr>
+          <p:cNvPr id="2" name="Title 1">
+            <a:extLst>
+              <a:ext uri="{FF2B5EF4-FFF2-40B4-BE49-F238E27FC236}">
+                <a16:creationId xmlns:a16="http://schemas.microsoft.com/office/drawing/2014/main" id="{1257A6E5-D1D3-4D81-8FAE-B9776A92CD86}"/>
+              </a:ext>
+            </a:extLst>
+          </p:cNvPr>
+          <p:cNvSpPr>
+            <a:spLocks noGrp="1"/>
+          </p:cNvSpPr>
+          <p:nvPr>
+            <p:ph type="title"/>
+          </p:nvPr>
+        </p:nvSpPr>
+        <p:spPr/>
+        <p:txBody>
+          <a:bodyPr/>
+          <a:lstStyle/>
+          <a:p>
+            <a:r>
+              <a:rPr lang="en-US" dirty="0"/>
+              <a:t>Legacy System</a:t>
+            </a:r>
+          </a:p>
+        </p:txBody>
+      </p:sp>
+      <p:sp>
+        <p:nvSpPr>
+          <p:cNvPr id="4" name="Rectangle 3">
+            <a:extLst>
+              <a:ext uri="{FF2B5EF4-FFF2-40B4-BE49-F238E27FC236}">
+                <a16:creationId xmlns:a16="http://schemas.microsoft.com/office/drawing/2014/main" id="{9FE7D642-1B5E-4AB5-A598-BD15A3BF1884}"/>
+              </a:ext>
+            </a:extLst>
+          </p:cNvPr>
+          <p:cNvSpPr/>
+          <p:nvPr/>
+        </p:nvSpPr>
+        <p:spPr>
+          <a:xfrm>
+            <a:off x="2851505" y="2362586"/>
+            <a:ext cx="1618379" cy="598770"/>
+          </a:xfrm>
+          <a:prstGeom prst="rect">
+            <a:avLst/>
+          </a:prstGeom>
+        </p:spPr>
+        <p:style>
+          <a:lnRef idx="2">
+            <a:schemeClr val="dk1">
+              <a:shade val="50000"/>
+            </a:schemeClr>
+          </a:lnRef>
+          <a:fillRef idx="1">
+            <a:schemeClr val="dk1"/>
+          </a:fillRef>
+          <a:effectRef idx="0">
+            <a:schemeClr val="dk1"/>
+          </a:effectRef>
+          <a:fontRef idx="minor">
+            <a:schemeClr val="lt1"/>
+          </a:fontRef>
+        </p:style>
+        <p:txBody>
+          <a:bodyPr rtlCol="0" anchor="ctr"/>
+          <a:lstStyle/>
+          <a:p>
+            <a:pPr algn="ctr"/>
+            <a:r>
+              <a:rPr lang="en-US" dirty="0"/>
+              <a:t>Legacy PLC</a:t>
+            </a:r>
+          </a:p>
+        </p:txBody>
+      </p:sp>
+      <p:sp>
+        <p:nvSpPr>
+          <p:cNvPr id="5" name="Rectangle 4">
+            <a:extLst>
+              <a:ext uri="{FF2B5EF4-FFF2-40B4-BE49-F238E27FC236}">
+                <a16:creationId xmlns:a16="http://schemas.microsoft.com/office/drawing/2014/main" id="{CFC1D198-DA2B-4685-90F2-2264A2046A06}"/>
+              </a:ext>
+            </a:extLst>
+          </p:cNvPr>
+          <p:cNvSpPr/>
+          <p:nvPr/>
+        </p:nvSpPr>
+        <p:spPr>
+          <a:xfrm>
+            <a:off x="2826750" y="3346612"/>
+            <a:ext cx="2710708" cy="399179"/>
+          </a:xfrm>
+          <a:prstGeom prst="rect">
+            <a:avLst/>
+          </a:prstGeom>
+          <a:solidFill>
+            <a:srgbClr val="00B050"/>
+          </a:solidFill>
+        </p:spPr>
+        <p:style>
+          <a:lnRef idx="2">
+            <a:schemeClr val="accent1">
+              <a:shade val="50000"/>
+            </a:schemeClr>
+          </a:lnRef>
+          <a:fillRef idx="1">
+            <a:schemeClr val="accent1"/>
+          </a:fillRef>
+          <a:effectRef idx="0">
+            <a:schemeClr val="accent1"/>
+          </a:effectRef>
+          <a:fontRef idx="minor">
+            <a:schemeClr val="lt1"/>
+          </a:fontRef>
+        </p:style>
+        <p:txBody>
+          <a:bodyPr rtlCol="0" anchor="ctr"/>
+          <a:lstStyle/>
+          <a:p>
+            <a:pPr algn="ctr"/>
+            <a:r>
+              <a:rPr lang="en-US" dirty="0"/>
+              <a:t>Stealthy Logging</a:t>
+            </a:r>
+          </a:p>
+        </p:txBody>
+      </p:sp>
+      <p:sp>
+        <p:nvSpPr>
+          <p:cNvPr id="8" name="Rectangle 7">
+            <a:extLst>
+              <a:ext uri="{FF2B5EF4-FFF2-40B4-BE49-F238E27FC236}">
+                <a16:creationId xmlns:a16="http://schemas.microsoft.com/office/drawing/2014/main" id="{59C750DD-F8EB-43D8-8008-5BC96210D8B3}"/>
+              </a:ext>
+            </a:extLst>
+          </p:cNvPr>
+          <p:cNvSpPr/>
+          <p:nvPr/>
+        </p:nvSpPr>
+        <p:spPr>
+          <a:xfrm>
+            <a:off x="8651212" y="2914939"/>
+            <a:ext cx="2162997" cy="1216103"/>
+          </a:xfrm>
+          <a:prstGeom prst="rect">
+            <a:avLst/>
+          </a:prstGeom>
+          <a:solidFill>
+            <a:srgbClr val="00B050"/>
+          </a:solidFill>
+        </p:spPr>
+        <p:style>
+          <a:lnRef idx="2">
+            <a:schemeClr val="accent1">
+              <a:shade val="50000"/>
+            </a:schemeClr>
+          </a:lnRef>
+          <a:fillRef idx="1">
+            <a:schemeClr val="accent1"/>
+          </a:fillRef>
+          <a:effectRef idx="0">
+            <a:schemeClr val="accent1"/>
+          </a:effectRef>
+          <a:fontRef idx="minor">
+            <a:schemeClr val="lt1"/>
+          </a:fontRef>
+        </p:style>
+        <p:txBody>
+          <a:bodyPr rtlCol="0" anchor="ctr"/>
+          <a:lstStyle/>
+          <a:p>
+            <a:pPr algn="ctr"/>
+            <a:r>
+              <a:rPr lang="en-US" dirty="0"/>
+              <a:t>Monitoring Server</a:t>
+            </a:r>
+          </a:p>
+        </p:txBody>
+      </p:sp>
+      <p:cxnSp>
+        <p:nvCxnSpPr>
+          <p:cNvPr id="12" name="Straight Connector 11">
+            <a:extLst>
+              <a:ext uri="{FF2B5EF4-FFF2-40B4-BE49-F238E27FC236}">
+                <a16:creationId xmlns:a16="http://schemas.microsoft.com/office/drawing/2014/main" id="{69D44AA8-7529-49C0-8BE1-E029F6997696}"/>
+              </a:ext>
+            </a:extLst>
+          </p:cNvPr>
+          <p:cNvCxnSpPr>
+            <a:stCxn id="4" idx="1"/>
+          </p:cNvCxnSpPr>
+          <p:nvPr/>
+        </p:nvCxnSpPr>
+        <p:spPr>
+          <a:xfrm flipH="1">
+            <a:off x="2580743" y="2661971"/>
+            <a:ext cx="270762" cy="2321"/>
+          </a:xfrm>
+          <a:prstGeom prst="line">
+            <a:avLst/>
+          </a:prstGeom>
+        </p:spPr>
+        <p:style>
+          <a:lnRef idx="3">
+            <a:schemeClr val="accent1"/>
+          </a:lnRef>
+          <a:fillRef idx="0">
+            <a:schemeClr val="accent1"/>
+          </a:fillRef>
+          <a:effectRef idx="2">
+            <a:schemeClr val="accent1"/>
+          </a:effectRef>
+          <a:fontRef idx="minor">
+            <a:schemeClr val="tx1"/>
+          </a:fontRef>
+        </p:style>
+      </p:cxnSp>
+      <p:cxnSp>
+        <p:nvCxnSpPr>
+          <p:cNvPr id="14" name="Straight Connector 13">
+            <a:extLst>
+              <a:ext uri="{FF2B5EF4-FFF2-40B4-BE49-F238E27FC236}">
+                <a16:creationId xmlns:a16="http://schemas.microsoft.com/office/drawing/2014/main" id="{FD4CE4F9-B3DC-4994-B78B-FFFA3E2C4071}"/>
+              </a:ext>
+            </a:extLst>
+          </p:cNvPr>
+          <p:cNvCxnSpPr/>
+          <p:nvPr/>
+        </p:nvCxnSpPr>
+        <p:spPr>
+          <a:xfrm>
+            <a:off x="2580743" y="2661971"/>
+            <a:ext cx="0" cy="865664"/>
+          </a:xfrm>
+          <a:prstGeom prst="line">
+            <a:avLst/>
+          </a:prstGeom>
+        </p:spPr>
+        <p:style>
+          <a:lnRef idx="3">
+            <a:schemeClr val="accent1"/>
+          </a:lnRef>
+          <a:fillRef idx="0">
+            <a:schemeClr val="accent1"/>
+          </a:fillRef>
+          <a:effectRef idx="2">
+            <a:schemeClr val="accent1"/>
+          </a:effectRef>
+          <a:fontRef idx="minor">
+            <a:schemeClr val="tx1"/>
+          </a:fontRef>
+        </p:style>
+      </p:cxnSp>
+      <p:cxnSp>
+        <p:nvCxnSpPr>
+          <p:cNvPr id="16" name="Straight Arrow Connector 15">
+            <a:extLst>
+              <a:ext uri="{FF2B5EF4-FFF2-40B4-BE49-F238E27FC236}">
+                <a16:creationId xmlns:a16="http://schemas.microsoft.com/office/drawing/2014/main" id="{C6526A24-97A4-4D4A-8D1B-C539D40D267A}"/>
+              </a:ext>
+            </a:extLst>
+          </p:cNvPr>
+          <p:cNvCxnSpPr>
+            <a:cxnSpLocks/>
+          </p:cNvCxnSpPr>
+          <p:nvPr/>
+        </p:nvCxnSpPr>
+        <p:spPr>
+          <a:xfrm>
+            <a:off x="2594669" y="3527635"/>
+            <a:ext cx="218157" cy="1"/>
+          </a:xfrm>
+          <a:prstGeom prst="straightConnector1">
+            <a:avLst/>
+          </a:prstGeom>
+          <a:ln>
+            <a:tailEnd type="triangle"/>
+          </a:ln>
+        </p:spPr>
+        <p:style>
+          <a:lnRef idx="3">
+            <a:schemeClr val="accent1"/>
+          </a:lnRef>
+          <a:fillRef idx="0">
+            <a:schemeClr val="accent1"/>
+          </a:fillRef>
+          <a:effectRef idx="2">
+            <a:schemeClr val="accent1"/>
+          </a:effectRef>
+          <a:fontRef idx="minor">
+            <a:schemeClr val="tx1"/>
+          </a:fontRef>
+        </p:style>
+      </p:cxnSp>
+      <p:cxnSp>
+        <p:nvCxnSpPr>
+          <p:cNvPr id="19" name="Straight Connector 18">
+            <a:extLst>
+              <a:ext uri="{FF2B5EF4-FFF2-40B4-BE49-F238E27FC236}">
+                <a16:creationId xmlns:a16="http://schemas.microsoft.com/office/drawing/2014/main" id="{EC8E074D-D356-4DE2-9757-A36C2300E469}"/>
+              </a:ext>
+            </a:extLst>
+          </p:cNvPr>
+          <p:cNvCxnSpPr>
+            <a:stCxn id="4" idx="3"/>
+          </p:cNvCxnSpPr>
+          <p:nvPr/>
+        </p:nvCxnSpPr>
+        <p:spPr>
+          <a:xfrm>
+            <a:off x="4469884" y="2661971"/>
+            <a:ext cx="250648" cy="0"/>
+          </a:xfrm>
+          <a:prstGeom prst="line">
+            <a:avLst/>
+          </a:prstGeom>
+        </p:spPr>
+        <p:style>
+          <a:lnRef idx="3">
+            <a:schemeClr val="accent1"/>
+          </a:lnRef>
+          <a:fillRef idx="0">
+            <a:schemeClr val="accent1"/>
+          </a:fillRef>
+          <a:effectRef idx="2">
+            <a:schemeClr val="accent1"/>
+          </a:effectRef>
+          <a:fontRef idx="minor">
+            <a:schemeClr val="tx1"/>
+          </a:fontRef>
+        </p:style>
+      </p:cxnSp>
+      <p:cxnSp>
+        <p:nvCxnSpPr>
+          <p:cNvPr id="23" name="Straight Arrow Connector 22">
+            <a:extLst>
+              <a:ext uri="{FF2B5EF4-FFF2-40B4-BE49-F238E27FC236}">
+                <a16:creationId xmlns:a16="http://schemas.microsoft.com/office/drawing/2014/main" id="{F6ACD8C3-E81B-49CC-B2D3-CE527BCDD423}"/>
+              </a:ext>
+            </a:extLst>
+          </p:cNvPr>
+          <p:cNvCxnSpPr/>
+          <p:nvPr/>
+        </p:nvCxnSpPr>
+        <p:spPr>
+          <a:xfrm>
+            <a:off x="4739098" y="2661971"/>
+            <a:ext cx="0" cy="684641"/>
+          </a:xfrm>
+          <a:prstGeom prst="straightConnector1">
+            <a:avLst/>
+          </a:prstGeom>
+          <a:ln>
+            <a:tailEnd type="triangle"/>
+          </a:ln>
+        </p:spPr>
+        <p:style>
+          <a:lnRef idx="3">
+            <a:schemeClr val="accent1"/>
+          </a:lnRef>
+          <a:fillRef idx="0">
+            <a:schemeClr val="accent1"/>
+          </a:fillRef>
+          <a:effectRef idx="2">
+            <a:schemeClr val="accent1"/>
+          </a:effectRef>
+          <a:fontRef idx="minor">
+            <a:schemeClr val="tx1"/>
+          </a:fontRef>
+        </p:style>
+      </p:cxnSp>
+      <p:cxnSp>
+        <p:nvCxnSpPr>
+          <p:cNvPr id="25" name="Straight Arrow Connector 24">
+            <a:extLst>
+              <a:ext uri="{FF2B5EF4-FFF2-40B4-BE49-F238E27FC236}">
+                <a16:creationId xmlns:a16="http://schemas.microsoft.com/office/drawing/2014/main" id="{C790BDC0-80AD-4AB0-993D-62461E84F308}"/>
+              </a:ext>
+            </a:extLst>
+          </p:cNvPr>
+          <p:cNvCxnSpPr>
+            <a:stCxn id="5" idx="3"/>
+            <a:endCxn id="8" idx="1"/>
+          </p:cNvCxnSpPr>
+          <p:nvPr/>
+        </p:nvCxnSpPr>
+        <p:spPr>
+          <a:xfrm flipV="1">
+            <a:off x="5537458" y="3522991"/>
+            <a:ext cx="3113754" cy="23211"/>
+          </a:xfrm>
+          <a:prstGeom prst="straightConnector1">
+            <a:avLst/>
+          </a:prstGeom>
+          <a:ln>
+            <a:tailEnd type="triangle"/>
+          </a:ln>
+        </p:spPr>
+        <p:style>
+          <a:lnRef idx="3">
+            <a:schemeClr val="accent1"/>
+          </a:lnRef>
+          <a:fillRef idx="0">
+            <a:schemeClr val="accent1"/>
+          </a:fillRef>
+          <a:effectRef idx="2">
+            <a:schemeClr val="accent1"/>
+          </a:effectRef>
+          <a:fontRef idx="minor">
+            <a:schemeClr val="tx1"/>
+          </a:fontRef>
+        </p:style>
+      </p:cxnSp>
+      <p:sp>
+        <p:nvSpPr>
+          <p:cNvPr id="28" name="TextBox 27">
+            <a:extLst>
+              <a:ext uri="{FF2B5EF4-FFF2-40B4-BE49-F238E27FC236}">
+                <a16:creationId xmlns:a16="http://schemas.microsoft.com/office/drawing/2014/main" id="{77F8AAB8-2234-420F-9C0F-EA2D748CAE02}"/>
+              </a:ext>
+            </a:extLst>
+          </p:cNvPr>
+          <p:cNvSpPr txBox="1"/>
+          <p:nvPr/>
+        </p:nvSpPr>
+        <p:spPr>
+          <a:xfrm>
+            <a:off x="1717401" y="2961356"/>
+            <a:ext cx="784435" cy="369332"/>
+          </a:xfrm>
+          <a:prstGeom prst="rect">
+            <a:avLst/>
+          </a:prstGeom>
+          <a:noFill/>
+        </p:spPr>
+        <p:txBody>
+          <a:bodyPr wrap="square" rtlCol="0">
+            <a:spAutoFit/>
+          </a:bodyPr>
+          <a:lstStyle/>
+          <a:p>
+            <a:r>
+              <a:rPr lang="en-US" dirty="0"/>
+              <a:t>Inputs</a:t>
+            </a:r>
+          </a:p>
+        </p:txBody>
+      </p:sp>
+      <p:sp>
+        <p:nvSpPr>
+          <p:cNvPr id="29" name="TextBox 28">
+            <a:extLst>
+              <a:ext uri="{FF2B5EF4-FFF2-40B4-BE49-F238E27FC236}">
+                <a16:creationId xmlns:a16="http://schemas.microsoft.com/office/drawing/2014/main" id="{7A62FB91-E988-4CAB-8FCA-073675CCF19B}"/>
+              </a:ext>
+            </a:extLst>
+          </p:cNvPr>
+          <p:cNvSpPr txBox="1"/>
+          <p:nvPr/>
+        </p:nvSpPr>
+        <p:spPr>
+          <a:xfrm>
+            <a:off x="4757665" y="2784978"/>
+            <a:ext cx="1025799" cy="369332"/>
+          </a:xfrm>
+          <a:prstGeom prst="rect">
+            <a:avLst/>
+          </a:prstGeom>
+          <a:noFill/>
+        </p:spPr>
+        <p:txBody>
+          <a:bodyPr wrap="square" rtlCol="0">
+            <a:spAutoFit/>
+          </a:bodyPr>
+          <a:lstStyle/>
+          <a:p>
+            <a:r>
+              <a:rPr lang="en-US" dirty="0"/>
+              <a:t>Outputs</a:t>
+            </a:r>
+          </a:p>
+        </p:txBody>
+      </p:sp>
+      <p:sp>
+        <p:nvSpPr>
+          <p:cNvPr id="30" name="TextBox 29">
+            <a:extLst>
+              <a:ext uri="{FF2B5EF4-FFF2-40B4-BE49-F238E27FC236}">
+                <a16:creationId xmlns:a16="http://schemas.microsoft.com/office/drawing/2014/main" id="{2C6BFBB9-BF1A-493F-AF90-251C3F492C42}"/>
+              </a:ext>
+            </a:extLst>
+          </p:cNvPr>
+          <p:cNvSpPr txBox="1"/>
+          <p:nvPr/>
+        </p:nvSpPr>
+        <p:spPr>
+          <a:xfrm>
+            <a:off x="6458432" y="3146022"/>
+            <a:ext cx="1706185" cy="369332"/>
+          </a:xfrm>
+          <a:prstGeom prst="rect">
+            <a:avLst/>
+          </a:prstGeom>
+          <a:noFill/>
+        </p:spPr>
+        <p:txBody>
+          <a:bodyPr wrap="square" rtlCol="0">
+            <a:spAutoFit/>
+          </a:bodyPr>
+          <a:lstStyle/>
+          <a:p>
+            <a:r>
+              <a:rPr lang="en-US" dirty="0"/>
+              <a:t>Encrypted Logs</a:t>
+            </a:r>
+          </a:p>
+        </p:txBody>
+      </p:sp>
+    </p:spTree>
+    <p:extLst>
+      <p:ext uri="{BB962C8B-B14F-4D97-AF65-F5344CB8AC3E}">
+        <p14:creationId xmlns:p14="http://schemas.microsoft.com/office/powerpoint/2010/main" val="1924775412"/>
+      </p:ext>
+    </p:extLst>
+  </p:cSld>
+  <p:clrMapOvr>
+    <a:masterClrMapping/>
+  </p:clrMapOvr>
+</p:sld>
+</file>
+
+<file path=ppt/slides/slide3.xml><?xml version="1.0" encoding="utf-8"?>
+<p:sld xmlns:a="http://schemas.openxmlformats.org/drawingml/2006/main" xmlns:r="http://schemas.openxmlformats.org/officeDocument/2006/relationships" xmlns:p="http://schemas.openxmlformats.org/presentationml/2006/main">
+  <p:cSld>
+    <p:spTree>
+      <p:nvGrpSpPr>
+        <p:cNvPr id="1" name=""/>
+        <p:cNvGrpSpPr/>
+        <p:nvPr/>
+      </p:nvGrpSpPr>
+      <p:grpSpPr>
+        <a:xfrm>
+          <a:off x="0" y="0"/>
+          <a:ext cx="0" cy="0"/>
+          <a:chOff x="0" y="0"/>
+          <a:chExt cx="0" cy="0"/>
+        </a:xfrm>
+      </p:grpSpPr>
+      <p:sp>
+        <p:nvSpPr>
+          <p:cNvPr id="2" name="Title 1">
+            <a:extLst>
+              <a:ext uri="{FF2B5EF4-FFF2-40B4-BE49-F238E27FC236}">
+                <a16:creationId xmlns:a16="http://schemas.microsoft.com/office/drawing/2014/main" id="{1257A6E5-D1D3-4D81-8FAE-B9776A92CD86}"/>
+              </a:ext>
+            </a:extLst>
+          </p:cNvPr>
+          <p:cNvSpPr>
+            <a:spLocks noGrp="1"/>
+          </p:cNvSpPr>
+          <p:nvPr>
+            <p:ph type="title"/>
+          </p:nvPr>
+        </p:nvSpPr>
+        <p:spPr/>
+        <p:txBody>
+          <a:bodyPr/>
+          <a:lstStyle/>
+          <a:p>
+            <a:r>
+              <a:rPr lang="en-US" dirty="0"/>
+              <a:t>Modern System</a:t>
+            </a:r>
+          </a:p>
+        </p:txBody>
+      </p:sp>
+      <p:sp>
+        <p:nvSpPr>
+          <p:cNvPr id="4" name="Rectangle 3">
+            <a:extLst>
+              <a:ext uri="{FF2B5EF4-FFF2-40B4-BE49-F238E27FC236}">
+                <a16:creationId xmlns:a16="http://schemas.microsoft.com/office/drawing/2014/main" id="{9FE7D642-1B5E-4AB5-A598-BD15A3BF1884}"/>
+              </a:ext>
+            </a:extLst>
+          </p:cNvPr>
+          <p:cNvSpPr/>
+          <p:nvPr/>
+        </p:nvSpPr>
+        <p:spPr>
+          <a:xfrm>
+            <a:off x="3671524" y="3142382"/>
+            <a:ext cx="1885275" cy="761226"/>
+          </a:xfrm>
+          <a:prstGeom prst="rect">
+            <a:avLst/>
+          </a:prstGeom>
+          <a:solidFill>
+            <a:srgbClr val="00B0F0"/>
+          </a:solidFill>
+          <a:ln>
+            <a:solidFill>
+              <a:schemeClr val="accent1"/>
+            </a:solidFill>
+          </a:ln>
+        </p:spPr>
+        <p:style>
+          <a:lnRef idx="2">
+            <a:schemeClr val="dk1">
+              <a:shade val="50000"/>
+            </a:schemeClr>
+          </a:lnRef>
+          <a:fillRef idx="1">
+            <a:schemeClr val="dk1"/>
+          </a:fillRef>
+          <a:effectRef idx="0">
+            <a:schemeClr val="dk1"/>
+          </a:effectRef>
+          <a:fontRef idx="minor">
+            <a:schemeClr val="lt1"/>
+          </a:fontRef>
+        </p:style>
+        <p:txBody>
+          <a:bodyPr rtlCol="0" anchor="ctr"/>
+          <a:lstStyle/>
+          <a:p>
+            <a:pPr algn="ctr"/>
+            <a:r>
+              <a:rPr lang="en-US" dirty="0"/>
+              <a:t>Modern PLC + Stealthy Logging</a:t>
+            </a:r>
+          </a:p>
+        </p:txBody>
+      </p:sp>
+      <p:sp>
+        <p:nvSpPr>
+          <p:cNvPr id="8" name="Rectangle 7">
+            <a:extLst>
+              <a:ext uri="{FF2B5EF4-FFF2-40B4-BE49-F238E27FC236}">
+                <a16:creationId xmlns:a16="http://schemas.microsoft.com/office/drawing/2014/main" id="{59C750DD-F8EB-43D8-8008-5BC96210D8B3}"/>
+              </a:ext>
+            </a:extLst>
+          </p:cNvPr>
+          <p:cNvSpPr/>
+          <p:nvPr/>
+        </p:nvSpPr>
+        <p:spPr>
+          <a:xfrm>
+            <a:off x="8651212" y="2914939"/>
+            <a:ext cx="2162997" cy="1216103"/>
+          </a:xfrm>
+          <a:prstGeom prst="rect">
+            <a:avLst/>
+          </a:prstGeom>
+          <a:solidFill>
+            <a:srgbClr val="00B050"/>
+          </a:solidFill>
+        </p:spPr>
+        <p:style>
+          <a:lnRef idx="2">
+            <a:schemeClr val="accent1">
+              <a:shade val="50000"/>
+            </a:schemeClr>
+          </a:lnRef>
+          <a:fillRef idx="1">
+            <a:schemeClr val="accent1"/>
+          </a:fillRef>
+          <a:effectRef idx="0">
+            <a:schemeClr val="accent1"/>
+          </a:effectRef>
+          <a:fontRef idx="minor">
+            <a:schemeClr val="lt1"/>
+          </a:fontRef>
+        </p:style>
+        <p:txBody>
+          <a:bodyPr rtlCol="0" anchor="ctr"/>
+          <a:lstStyle/>
+          <a:p>
+            <a:pPr algn="ctr"/>
+            <a:r>
+              <a:rPr lang="en-US" dirty="0"/>
+              <a:t>Monitoring Server</a:t>
+            </a:r>
+          </a:p>
+        </p:txBody>
+      </p:sp>
+      <p:cxnSp>
+        <p:nvCxnSpPr>
+          <p:cNvPr id="25" name="Straight Arrow Connector 24">
+            <a:extLst>
+              <a:ext uri="{FF2B5EF4-FFF2-40B4-BE49-F238E27FC236}">
+                <a16:creationId xmlns:a16="http://schemas.microsoft.com/office/drawing/2014/main" id="{C790BDC0-80AD-4AB0-993D-62461E84F308}"/>
+              </a:ext>
+            </a:extLst>
+          </p:cNvPr>
+          <p:cNvCxnSpPr>
+            <a:cxnSpLocks/>
+            <a:endCxn id="8" idx="1"/>
+          </p:cNvCxnSpPr>
+          <p:nvPr/>
+        </p:nvCxnSpPr>
+        <p:spPr>
+          <a:xfrm flipV="1">
+            <a:off x="5537458" y="3522991"/>
+            <a:ext cx="3113754" cy="23211"/>
+          </a:xfrm>
+          <a:prstGeom prst="straightConnector1">
+            <a:avLst/>
+          </a:prstGeom>
+          <a:ln>
+            <a:tailEnd type="triangle"/>
+          </a:ln>
+        </p:spPr>
+        <p:style>
+          <a:lnRef idx="3">
+            <a:schemeClr val="accent1"/>
+          </a:lnRef>
+          <a:fillRef idx="0">
+            <a:schemeClr val="accent1"/>
+          </a:fillRef>
+          <a:effectRef idx="2">
+            <a:schemeClr val="accent1"/>
+          </a:effectRef>
+          <a:fontRef idx="minor">
+            <a:schemeClr val="tx1"/>
+          </a:fontRef>
+        </p:style>
+      </p:cxnSp>
+      <p:sp>
+        <p:nvSpPr>
+          <p:cNvPr id="30" name="TextBox 29">
+            <a:extLst>
+              <a:ext uri="{FF2B5EF4-FFF2-40B4-BE49-F238E27FC236}">
+                <a16:creationId xmlns:a16="http://schemas.microsoft.com/office/drawing/2014/main" id="{2C6BFBB9-BF1A-493F-AF90-251C3F492C42}"/>
+              </a:ext>
+            </a:extLst>
+          </p:cNvPr>
+          <p:cNvSpPr txBox="1"/>
+          <p:nvPr/>
+        </p:nvSpPr>
+        <p:spPr>
+          <a:xfrm>
+            <a:off x="6458432" y="3146022"/>
+            <a:ext cx="1706185" cy="369332"/>
+          </a:xfrm>
+          <a:prstGeom prst="rect">
+            <a:avLst/>
+          </a:prstGeom>
+          <a:noFill/>
+        </p:spPr>
+        <p:txBody>
+          <a:bodyPr wrap="square" rtlCol="0">
+            <a:spAutoFit/>
+          </a:bodyPr>
+          <a:lstStyle/>
+          <a:p>
+            <a:r>
+              <a:rPr lang="en-US" dirty="0"/>
+              <a:t>Encrypted Logs</a:t>
+            </a:r>
+          </a:p>
+        </p:txBody>
+      </p:sp>
+    </p:spTree>
+    <p:extLst>
+      <p:ext uri="{BB962C8B-B14F-4D97-AF65-F5344CB8AC3E}">
+        <p14:creationId xmlns:p14="http://schemas.microsoft.com/office/powerpoint/2010/main" val="3889654534"/>
+      </p:ext>
+    </p:extLst>
+  </p:cSld>
+  <p:clrMapOvr>
+    <a:masterClrMapping/>
+  </p:clrMapOvr>
+</p:sld>
+</file>
+
+<file path=ppt/slides/slide4.xml><?xml version="1.0" encoding="utf-8"?>
 <p:sld xmlns:a="http://schemas.openxmlformats.org/drawingml/2006/main" xmlns:r="http://schemas.openxmlformats.org/officeDocument/2006/relationships" xmlns:p="http://schemas.openxmlformats.org/presentationml/2006/main">
   <p:cSld>
     <p:spTree>
@@ -4004,7 +4800,7 @@
 </p:sld>
 </file>
 
-<file path=ppt/slides/slide3.xml><?xml version="1.0" encoding="utf-8"?>
+<file path=ppt/slides/slide5.xml><?xml version="1.0" encoding="utf-8"?>
 <p:sld xmlns:a="http://schemas.openxmlformats.org/drawingml/2006/main" xmlns:r="http://schemas.openxmlformats.org/officeDocument/2006/relationships" xmlns:p="http://schemas.openxmlformats.org/presentationml/2006/main">
   <p:cSld>
     <p:spTree>

--- a/slides/Stealthy Logging for PLCs.pptx
+++ b/slides/Stealthy Logging for PLCs.pptx
@@ -267,7 +267,7 @@
           <a:p>
             <a:fld id="{2A36EB2F-6F56-45B9-8B79-FD8816039F59}" type="datetimeFigureOut">
               <a:rPr lang="en-US" smtClean="0"/>
-              <a:t>11/6/2017</a:t>
+              <a:t>11/9/2017</a:t>
             </a:fld>
             <a:endParaRPr lang="en-US"/>
           </a:p>
@@ -465,7 +465,7 @@
           <a:p>
             <a:fld id="{2A36EB2F-6F56-45B9-8B79-FD8816039F59}" type="datetimeFigureOut">
               <a:rPr lang="en-US" smtClean="0"/>
-              <a:t>11/6/2017</a:t>
+              <a:t>11/9/2017</a:t>
             </a:fld>
             <a:endParaRPr lang="en-US"/>
           </a:p>
@@ -673,7 +673,7 @@
           <a:p>
             <a:fld id="{2A36EB2F-6F56-45B9-8B79-FD8816039F59}" type="datetimeFigureOut">
               <a:rPr lang="en-US" smtClean="0"/>
-              <a:t>11/6/2017</a:t>
+              <a:t>11/9/2017</a:t>
             </a:fld>
             <a:endParaRPr lang="en-US"/>
           </a:p>
@@ -871,7 +871,7 @@
           <a:p>
             <a:fld id="{2A36EB2F-6F56-45B9-8B79-FD8816039F59}" type="datetimeFigureOut">
               <a:rPr lang="en-US" smtClean="0"/>
-              <a:t>11/6/2017</a:t>
+              <a:t>11/9/2017</a:t>
             </a:fld>
             <a:endParaRPr lang="en-US"/>
           </a:p>
@@ -1146,7 +1146,7 @@
           <a:p>
             <a:fld id="{2A36EB2F-6F56-45B9-8B79-FD8816039F59}" type="datetimeFigureOut">
               <a:rPr lang="en-US" smtClean="0"/>
-              <a:t>11/6/2017</a:t>
+              <a:t>11/9/2017</a:t>
             </a:fld>
             <a:endParaRPr lang="en-US"/>
           </a:p>
@@ -1411,7 +1411,7 @@
           <a:p>
             <a:fld id="{2A36EB2F-6F56-45B9-8B79-FD8816039F59}" type="datetimeFigureOut">
               <a:rPr lang="en-US" smtClean="0"/>
-              <a:t>11/6/2017</a:t>
+              <a:t>11/9/2017</a:t>
             </a:fld>
             <a:endParaRPr lang="en-US"/>
           </a:p>
@@ -1823,7 +1823,7 @@
           <a:p>
             <a:fld id="{2A36EB2F-6F56-45B9-8B79-FD8816039F59}" type="datetimeFigureOut">
               <a:rPr lang="en-US" smtClean="0"/>
-              <a:t>11/6/2017</a:t>
+              <a:t>11/9/2017</a:t>
             </a:fld>
             <a:endParaRPr lang="en-US"/>
           </a:p>
@@ -1964,7 +1964,7 @@
           <a:p>
             <a:fld id="{2A36EB2F-6F56-45B9-8B79-FD8816039F59}" type="datetimeFigureOut">
               <a:rPr lang="en-US" smtClean="0"/>
-              <a:t>11/6/2017</a:t>
+              <a:t>11/9/2017</a:t>
             </a:fld>
             <a:endParaRPr lang="en-US"/>
           </a:p>
@@ -2077,7 +2077,7 @@
           <a:p>
             <a:fld id="{2A36EB2F-6F56-45B9-8B79-FD8816039F59}" type="datetimeFigureOut">
               <a:rPr lang="en-US" smtClean="0"/>
-              <a:t>11/6/2017</a:t>
+              <a:t>11/9/2017</a:t>
             </a:fld>
             <a:endParaRPr lang="en-US"/>
           </a:p>
@@ -2388,7 +2388,7 @@
           <a:p>
             <a:fld id="{2A36EB2F-6F56-45B9-8B79-FD8816039F59}" type="datetimeFigureOut">
               <a:rPr lang="en-US" smtClean="0"/>
-              <a:t>11/6/2017</a:t>
+              <a:t>11/9/2017</a:t>
             </a:fld>
             <a:endParaRPr lang="en-US"/>
           </a:p>
@@ -2676,7 +2676,7 @@
           <a:p>
             <a:fld id="{2A36EB2F-6F56-45B9-8B79-FD8816039F59}" type="datetimeFigureOut">
               <a:rPr lang="en-US" smtClean="0"/>
-              <a:t>11/6/2017</a:t>
+              <a:t>11/9/2017</a:t>
             </a:fld>
             <a:endParaRPr lang="en-US"/>
           </a:p>
@@ -2917,7 +2917,7 @@
           <a:p>
             <a:fld id="{2A36EB2F-6F56-45B9-8B79-FD8816039F59}" type="datetimeFigureOut">
               <a:rPr lang="en-US" smtClean="0"/>
-              <a:t>11/6/2017</a:t>
+              <a:t>11/9/2017</a:t>
             </a:fld>
             <a:endParaRPr lang="en-US"/>
           </a:p>
@@ -3356,8 +3356,12 @@
           <a:lstStyle/>
           <a:p>
             <a:r>
+              <a:rPr lang="en-US" dirty="0" err="1"/>
+              <a:t>SnapShotter</a:t>
+            </a:r>
+            <a:r>
               <a:rPr lang="en-US" dirty="0"/>
-              <a:t>Stealthy Logging for PLCs</a:t>
+              <a:t>: A lightweight Intrusion Detection for PLCs</a:t>
             </a:r>
           </a:p>
         </p:txBody>
